--- a/JFM/figs/three_frictions.pptx
+++ b/JFM/figs/three_frictions.pptx
@@ -243,7 +243,7 @@
           <a:p>
             <a:fld id="{45DBF83F-55E3-4167-A17D-7A8D9E494F19}" type="datetimeFigureOut">
               <a:rPr lang="en-US" smtClean="0"/>
-              <a:t>3/13/2022</a:t>
+              <a:t>3/19/2022</a:t>
             </a:fld>
             <a:endParaRPr lang="en-US"/>
           </a:p>
@@ -413,7 +413,7 @@
           <a:p>
             <a:fld id="{45DBF83F-55E3-4167-A17D-7A8D9E494F19}" type="datetimeFigureOut">
               <a:rPr lang="en-US" smtClean="0"/>
-              <a:t>3/13/2022</a:t>
+              <a:t>3/19/2022</a:t>
             </a:fld>
             <a:endParaRPr lang="en-US"/>
           </a:p>
@@ -593,7 +593,7 @@
           <a:p>
             <a:fld id="{45DBF83F-55E3-4167-A17D-7A8D9E494F19}" type="datetimeFigureOut">
               <a:rPr lang="en-US" smtClean="0"/>
-              <a:t>3/13/2022</a:t>
+              <a:t>3/19/2022</a:t>
             </a:fld>
             <a:endParaRPr lang="en-US"/>
           </a:p>
@@ -763,7 +763,7 @@
           <a:p>
             <a:fld id="{45DBF83F-55E3-4167-A17D-7A8D9E494F19}" type="datetimeFigureOut">
               <a:rPr lang="en-US" smtClean="0"/>
-              <a:t>3/13/2022</a:t>
+              <a:t>3/19/2022</a:t>
             </a:fld>
             <a:endParaRPr lang="en-US"/>
           </a:p>
@@ -1009,7 +1009,7 @@
           <a:p>
             <a:fld id="{45DBF83F-55E3-4167-A17D-7A8D9E494F19}" type="datetimeFigureOut">
               <a:rPr lang="en-US" smtClean="0"/>
-              <a:t>3/13/2022</a:t>
+              <a:t>3/19/2022</a:t>
             </a:fld>
             <a:endParaRPr lang="en-US"/>
           </a:p>
@@ -1241,7 +1241,7 @@
           <a:p>
             <a:fld id="{45DBF83F-55E3-4167-A17D-7A8D9E494F19}" type="datetimeFigureOut">
               <a:rPr lang="en-US" smtClean="0"/>
-              <a:t>3/13/2022</a:t>
+              <a:t>3/19/2022</a:t>
             </a:fld>
             <a:endParaRPr lang="en-US"/>
           </a:p>
@@ -1608,7 +1608,7 @@
           <a:p>
             <a:fld id="{45DBF83F-55E3-4167-A17D-7A8D9E494F19}" type="datetimeFigureOut">
               <a:rPr lang="en-US" smtClean="0"/>
-              <a:t>3/13/2022</a:t>
+              <a:t>3/19/2022</a:t>
             </a:fld>
             <a:endParaRPr lang="en-US"/>
           </a:p>
@@ -1726,7 +1726,7 @@
           <a:p>
             <a:fld id="{45DBF83F-55E3-4167-A17D-7A8D9E494F19}" type="datetimeFigureOut">
               <a:rPr lang="en-US" smtClean="0"/>
-              <a:t>3/13/2022</a:t>
+              <a:t>3/19/2022</a:t>
             </a:fld>
             <a:endParaRPr lang="en-US"/>
           </a:p>
@@ -1821,7 +1821,7 @@
           <a:p>
             <a:fld id="{45DBF83F-55E3-4167-A17D-7A8D9E494F19}" type="datetimeFigureOut">
               <a:rPr lang="en-US" smtClean="0"/>
-              <a:t>3/13/2022</a:t>
+              <a:t>3/19/2022</a:t>
             </a:fld>
             <a:endParaRPr lang="en-US"/>
           </a:p>
@@ -2098,7 +2098,7 @@
           <a:p>
             <a:fld id="{45DBF83F-55E3-4167-A17D-7A8D9E494F19}" type="datetimeFigureOut">
               <a:rPr lang="en-US" smtClean="0"/>
-              <a:t>3/13/2022</a:t>
+              <a:t>3/19/2022</a:t>
             </a:fld>
             <a:endParaRPr lang="en-US"/>
           </a:p>
@@ -2355,7 +2355,7 @@
           <a:p>
             <a:fld id="{45DBF83F-55E3-4167-A17D-7A8D9E494F19}" type="datetimeFigureOut">
               <a:rPr lang="en-US" smtClean="0"/>
-              <a:t>3/13/2022</a:t>
+              <a:t>3/19/2022</a:t>
             </a:fld>
             <a:endParaRPr lang="en-US"/>
           </a:p>
@@ -2568,7 +2568,7 @@
           <a:p>
             <a:fld id="{45DBF83F-55E3-4167-A17D-7A8D9E494F19}" type="datetimeFigureOut">
               <a:rPr lang="en-US" smtClean="0"/>
-              <a:t>3/13/2022</a:t>
+              <a:t>3/19/2022</a:t>
             </a:fld>
             <a:endParaRPr lang="en-US"/>
           </a:p>
@@ -3137,115 +3137,50 @@
           </a:p>
         </p:txBody>
       </p:sp>
-      <p:grpSp>
-        <p:nvGrpSpPr>
-          <p:cNvPr id="22" name="Group 21">
+      <p:cxnSp>
+        <p:nvCxnSpPr>
+          <p:cNvPr id="11" name="Straight Arrow Connector 10">
             <a:extLst>
               <a:ext uri="{FF2B5EF4-FFF2-40B4-BE49-F238E27FC236}">
-                <a16:creationId xmlns:a16="http://schemas.microsoft.com/office/drawing/2014/main" id="{9E5C28B4-CE9C-4335-AD6F-6B0E4D0A2943}"/>
+                <a16:creationId xmlns:a16="http://schemas.microsoft.com/office/drawing/2014/main" id="{2261D12F-26B4-4423-A065-AB33EF3D0D9B}"/>
               </a:ext>
             </a:extLst>
           </p:cNvPr>
-          <p:cNvGrpSpPr/>
+          <p:cNvCxnSpPr>
+            <a:cxnSpLocks/>
+          </p:cNvCxnSpPr>
           <p:nvPr/>
-        </p:nvGrpSpPr>
-        <p:grpSpPr>
+        </p:nvCxnSpPr>
+        <p:spPr>
           <a:xfrm>
-            <a:off x="667768" y="1676764"/>
-            <a:ext cx="2337768" cy="883023"/>
-            <a:chOff x="1255059" y="3406585"/>
-            <a:chExt cx="1362636" cy="883023"/>
+            <a:off x="3005536" y="1672699"/>
+            <a:ext cx="0" cy="883023"/>
           </a:xfrm>
-        </p:grpSpPr>
-        <p:cxnSp>
-          <p:nvCxnSpPr>
-            <p:cNvPr id="10" name="Straight Arrow Connector 9">
-              <a:extLst>
-                <a:ext uri="{FF2B5EF4-FFF2-40B4-BE49-F238E27FC236}">
-                  <a16:creationId xmlns:a16="http://schemas.microsoft.com/office/drawing/2014/main" id="{86267066-6C04-4197-A0E4-A6F0DA753CCB}"/>
-                </a:ext>
-              </a:extLst>
-            </p:cNvPr>
-            <p:cNvCxnSpPr>
-              <a:cxnSpLocks/>
-            </p:cNvCxnSpPr>
-            <p:nvPr/>
-          </p:nvCxnSpPr>
-          <p:spPr>
-            <a:xfrm>
-              <a:off x="1255059" y="3406585"/>
-              <a:ext cx="0" cy="883023"/>
-            </a:xfrm>
-            <a:prstGeom prst="straightConnector1">
-              <a:avLst/>
-            </a:prstGeom>
-            <a:ln w="50800">
-              <a:solidFill>
-                <a:srgbClr val="0070C0"/>
-              </a:solidFill>
-              <a:tailEnd type="stealth" w="lg" len="lg"/>
-            </a:ln>
-          </p:spPr>
-          <p:style>
-            <a:lnRef idx="1">
-              <a:schemeClr val="accent1"/>
-            </a:lnRef>
-            <a:fillRef idx="0">
-              <a:schemeClr val="accent1"/>
-            </a:fillRef>
-            <a:effectRef idx="0">
-              <a:schemeClr val="accent1"/>
-            </a:effectRef>
-            <a:fontRef idx="minor">
-              <a:schemeClr val="tx1"/>
-            </a:fontRef>
-          </p:style>
-        </p:cxnSp>
-        <p:cxnSp>
-          <p:nvCxnSpPr>
-            <p:cNvPr id="11" name="Straight Arrow Connector 10">
-              <a:extLst>
-                <a:ext uri="{FF2B5EF4-FFF2-40B4-BE49-F238E27FC236}">
-                  <a16:creationId xmlns:a16="http://schemas.microsoft.com/office/drawing/2014/main" id="{2261D12F-26B4-4423-A065-AB33EF3D0D9B}"/>
-                </a:ext>
-              </a:extLst>
-            </p:cNvPr>
-            <p:cNvCxnSpPr>
-              <a:cxnSpLocks/>
-            </p:cNvCxnSpPr>
-            <p:nvPr/>
-          </p:nvCxnSpPr>
-          <p:spPr>
-            <a:xfrm>
-              <a:off x="2617695" y="3406585"/>
-              <a:ext cx="0" cy="883023"/>
-            </a:xfrm>
-            <a:prstGeom prst="straightConnector1">
-              <a:avLst/>
-            </a:prstGeom>
-            <a:ln w="50800">
-              <a:solidFill>
-                <a:srgbClr val="0070C0"/>
-              </a:solidFill>
-              <a:tailEnd type="stealth" w="lg" len="lg"/>
-            </a:ln>
-          </p:spPr>
-          <p:style>
-            <a:lnRef idx="1">
-              <a:schemeClr val="accent1"/>
-            </a:lnRef>
-            <a:fillRef idx="0">
-              <a:schemeClr val="accent1"/>
-            </a:fillRef>
-            <a:effectRef idx="0">
-              <a:schemeClr val="accent1"/>
-            </a:effectRef>
-            <a:fontRef idx="minor">
-              <a:schemeClr val="tx1"/>
-            </a:fontRef>
-          </p:style>
-        </p:cxnSp>
-      </p:grpSp>
+          <a:prstGeom prst="straightConnector1">
+            <a:avLst/>
+          </a:prstGeom>
+          <a:ln w="50800">
+            <a:solidFill>
+              <a:srgbClr val="0070C0"/>
+            </a:solidFill>
+            <a:tailEnd type="stealth" w="lg" len="lg"/>
+          </a:ln>
+        </p:spPr>
+        <p:style>
+          <a:lnRef idx="1">
+            <a:schemeClr val="accent1"/>
+          </a:lnRef>
+          <a:fillRef idx="0">
+            <a:schemeClr val="accent1"/>
+          </a:fillRef>
+          <a:effectRef idx="0">
+            <a:schemeClr val="accent1"/>
+          </a:effectRef>
+          <a:fontRef idx="minor">
+            <a:schemeClr val="tx1"/>
+          </a:fontRef>
+        </p:style>
+      </p:cxnSp>
       <p:sp>
         <p:nvSpPr>
           <p:cNvPr id="12" name="Oval 11">
@@ -3630,115 +3565,50 @@
           </a:p>
         </p:txBody>
       </p:sp>
-      <p:grpSp>
-        <p:nvGrpSpPr>
-          <p:cNvPr id="23" name="Group 22">
+      <p:cxnSp>
+        <p:nvCxnSpPr>
+          <p:cNvPr id="25" name="Straight Arrow Connector 24">
             <a:extLst>
               <a:ext uri="{FF2B5EF4-FFF2-40B4-BE49-F238E27FC236}">
-                <a16:creationId xmlns:a16="http://schemas.microsoft.com/office/drawing/2014/main" id="{9CFEDD70-5D77-464E-A5D0-FA7AD228F135}"/>
+                <a16:creationId xmlns:a16="http://schemas.microsoft.com/office/drawing/2014/main" id="{ACBA2BA6-0D64-4BB7-BF60-B1C6789EF9CE}"/>
               </a:ext>
             </a:extLst>
           </p:cNvPr>
-          <p:cNvGrpSpPr/>
+          <p:cNvCxnSpPr>
+            <a:cxnSpLocks/>
+          </p:cNvCxnSpPr>
           <p:nvPr/>
-        </p:nvGrpSpPr>
-        <p:grpSpPr>
+        </p:nvCxnSpPr>
+        <p:spPr>
           <a:xfrm>
-            <a:off x="667768" y="360411"/>
-            <a:ext cx="2337768" cy="883023"/>
-            <a:chOff x="1255059" y="3406585"/>
-            <a:chExt cx="1362636" cy="883023"/>
+            <a:off x="3005536" y="360411"/>
+            <a:ext cx="0" cy="883023"/>
           </a:xfrm>
-        </p:grpSpPr>
-        <p:cxnSp>
-          <p:nvCxnSpPr>
-            <p:cNvPr id="24" name="Straight Arrow Connector 23">
-              <a:extLst>
-                <a:ext uri="{FF2B5EF4-FFF2-40B4-BE49-F238E27FC236}">
-                  <a16:creationId xmlns:a16="http://schemas.microsoft.com/office/drawing/2014/main" id="{3F96B7F8-4FF6-452B-90CD-86A297428685}"/>
-                </a:ext>
-              </a:extLst>
-            </p:cNvPr>
-            <p:cNvCxnSpPr>
-              <a:cxnSpLocks/>
-            </p:cNvCxnSpPr>
-            <p:nvPr/>
-          </p:nvCxnSpPr>
-          <p:spPr>
-            <a:xfrm>
-              <a:off x="1255059" y="3406585"/>
-              <a:ext cx="0" cy="883023"/>
-            </a:xfrm>
-            <a:prstGeom prst="straightConnector1">
-              <a:avLst/>
-            </a:prstGeom>
-            <a:ln w="50800">
-              <a:solidFill>
-                <a:srgbClr val="0070C0"/>
-              </a:solidFill>
-              <a:tailEnd type="stealth" w="lg" len="lg"/>
-            </a:ln>
-          </p:spPr>
-          <p:style>
-            <a:lnRef idx="1">
-              <a:schemeClr val="accent1"/>
-            </a:lnRef>
-            <a:fillRef idx="0">
-              <a:schemeClr val="accent1"/>
-            </a:fillRef>
-            <a:effectRef idx="0">
-              <a:schemeClr val="accent1"/>
-            </a:effectRef>
-            <a:fontRef idx="minor">
-              <a:schemeClr val="tx1"/>
-            </a:fontRef>
-          </p:style>
-        </p:cxnSp>
-        <p:cxnSp>
-          <p:nvCxnSpPr>
-            <p:cNvPr id="25" name="Straight Arrow Connector 24">
-              <a:extLst>
-                <a:ext uri="{FF2B5EF4-FFF2-40B4-BE49-F238E27FC236}">
-                  <a16:creationId xmlns:a16="http://schemas.microsoft.com/office/drawing/2014/main" id="{ACBA2BA6-0D64-4BB7-BF60-B1C6789EF9CE}"/>
-                </a:ext>
-              </a:extLst>
-            </p:cNvPr>
-            <p:cNvCxnSpPr>
-              <a:cxnSpLocks/>
-            </p:cNvCxnSpPr>
-            <p:nvPr/>
-          </p:nvCxnSpPr>
-          <p:spPr>
-            <a:xfrm>
-              <a:off x="2617695" y="3406585"/>
-              <a:ext cx="0" cy="883023"/>
-            </a:xfrm>
-            <a:prstGeom prst="straightConnector1">
-              <a:avLst/>
-            </a:prstGeom>
-            <a:ln w="50800">
-              <a:solidFill>
-                <a:srgbClr val="0070C0"/>
-              </a:solidFill>
-              <a:tailEnd type="stealth" w="lg" len="lg"/>
-            </a:ln>
-          </p:spPr>
-          <p:style>
-            <a:lnRef idx="1">
-              <a:schemeClr val="accent1"/>
-            </a:lnRef>
-            <a:fillRef idx="0">
-              <a:schemeClr val="accent1"/>
-            </a:fillRef>
-            <a:effectRef idx="0">
-              <a:schemeClr val="accent1"/>
-            </a:effectRef>
-            <a:fontRef idx="minor">
-              <a:schemeClr val="tx1"/>
-            </a:fontRef>
-          </p:style>
-        </p:cxnSp>
-      </p:grpSp>
+          <a:prstGeom prst="straightConnector1">
+            <a:avLst/>
+          </a:prstGeom>
+          <a:ln w="50800">
+            <a:solidFill>
+              <a:srgbClr val="0070C0"/>
+            </a:solidFill>
+            <a:tailEnd type="stealth" w="lg" len="lg"/>
+          </a:ln>
+        </p:spPr>
+        <p:style>
+          <a:lnRef idx="1">
+            <a:schemeClr val="accent1"/>
+          </a:lnRef>
+          <a:fillRef idx="0">
+            <a:schemeClr val="accent1"/>
+          </a:fillRef>
+          <a:effectRef idx="0">
+            <a:schemeClr val="accent1"/>
+          </a:effectRef>
+          <a:fontRef idx="minor">
+            <a:schemeClr val="tx1"/>
+          </a:fontRef>
+        </p:style>
+      </p:cxnSp>
       <mc:AlternateContent xmlns:mc="http://schemas.openxmlformats.org/markup-compatibility/2006">
         <mc:Choice xmlns:a14="http://schemas.microsoft.com/office/drawing/2010/main" Requires="a14">
           <p:sp>
@@ -3829,10 +3699,10 @@
                             <m:t>+</m:t>
                           </m:r>
                           <m:r>
-                            <a:rPr lang="en-US" sz="2400" i="1" dirty="0">
-                              <a:latin typeface="Cambria Math" panose="02040503050406030204" pitchFamily="18" charset="0"/>
-                            </a:rPr>
-                            <m:t>𝜕</m:t>
+                            <a:rPr lang="en-US" sz="2400" b="0" i="1" dirty="0" smtClean="0">
+                              <a:latin typeface="Cambria Math" panose="02040503050406030204" pitchFamily="18" charset="0"/>
+                            </a:rPr>
+                            <m:t>𝑑</m:t>
                           </m:r>
                           <m:r>
                             <a:rPr lang="en-US" sz="2400" i="1" dirty="0">
@@ -3912,10 +3782,10 @@
                             <m:t>+</m:t>
                           </m:r>
                           <m:r>
-                            <a:rPr lang="en-US" sz="2400" i="1">
-                              <a:latin typeface="Cambria Math" panose="02040503050406030204" pitchFamily="18" charset="0"/>
-                            </a:rPr>
-                            <m:t>𝜕</m:t>
+                            <a:rPr lang="en-US" sz="2400" b="0" i="1" smtClean="0">
+                              <a:latin typeface="Cambria Math" panose="02040503050406030204" pitchFamily="18" charset="0"/>
+                            </a:rPr>
+                            <m:t>𝑑</m:t>
                           </m:r>
                           <m:r>
                             <a:rPr lang="en-US" sz="2400" i="1">
@@ -3981,8 +3851,8 @@
           </p:sp>
         </mc:Fallback>
       </mc:AlternateContent>
-      <mc:AlternateContent xmlns:mc="http://schemas.openxmlformats.org/markup-compatibility/2006">
-        <mc:Choice xmlns:a14="http://schemas.microsoft.com/office/drawing/2010/main" Requires="a14">
+      <mc:AlternateContent xmlns:mc="http://schemas.openxmlformats.org/markup-compatibility/2006" xmlns:a14="http://schemas.microsoft.com/office/drawing/2010/main">
+        <mc:Choice Requires="a14">
           <p:sp>
             <p:nvSpPr>
               <p:cNvPr id="78" name="TextBox 77">
@@ -4069,7 +3939,7 @@
             </p:txBody>
           </p:sp>
         </mc:Choice>
-        <mc:Fallback>
+        <mc:Fallback xmlns="">
           <p:sp>
             <p:nvSpPr>
               <p:cNvPr id="78" name="TextBox 77">
@@ -4114,8 +3984,8 @@
           </p:sp>
         </mc:Fallback>
       </mc:AlternateContent>
-      <mc:AlternateContent xmlns:mc="http://schemas.openxmlformats.org/markup-compatibility/2006">
-        <mc:Choice xmlns:a14="http://schemas.microsoft.com/office/drawing/2010/main" Requires="a14">
+      <mc:AlternateContent xmlns:mc="http://schemas.openxmlformats.org/markup-compatibility/2006" xmlns:a14="http://schemas.microsoft.com/office/drawing/2010/main">
+        <mc:Choice Requires="a14">
           <p:sp>
             <p:nvSpPr>
               <p:cNvPr id="79" name="TextBox 78">
@@ -4172,7 +4042,7 @@
             </p:txBody>
           </p:sp>
         </mc:Choice>
-        <mc:Fallback>
+        <mc:Fallback xmlns="">
           <p:sp>
             <p:nvSpPr>
               <p:cNvPr id="79" name="TextBox 78">
@@ -4231,7 +4101,7 @@
         </p:nvSpPr>
         <p:spPr>
           <a:xfrm>
-            <a:off x="701237" y="445788"/>
+            <a:off x="1256577" y="445788"/>
             <a:ext cx="1719993" cy="457831"/>
           </a:xfrm>
           <a:prstGeom prst="rect">
@@ -4245,6 +4115,7 @@
           </a:bodyPr>
           <a:lstStyle/>
           <a:p>
+            <a:pPr algn="r"/>
             <a:r>
               <a:rPr lang="en-US" sz="2400" dirty="0">
                 <a:solidFill>
@@ -4405,50 +4276,6 @@
           </a:p>
         </p:txBody>
       </p:sp>
-      <p:cxnSp>
-        <p:nvCxnSpPr>
-          <p:cNvPr id="85" name="Straight Arrow Connector 84">
-            <a:extLst>
-              <a:ext uri="{FF2B5EF4-FFF2-40B4-BE49-F238E27FC236}">
-                <a16:creationId xmlns:a16="http://schemas.microsoft.com/office/drawing/2014/main" id="{1F0B7093-46F5-4B9A-8F38-67C296A1F6D1}"/>
-              </a:ext>
-            </a:extLst>
-          </p:cNvPr>
-          <p:cNvCxnSpPr>
-            <a:cxnSpLocks/>
-          </p:cNvCxnSpPr>
-          <p:nvPr/>
-        </p:nvCxnSpPr>
-        <p:spPr>
-          <a:xfrm>
-            <a:off x="4649208" y="1694071"/>
-            <a:ext cx="0" cy="883023"/>
-          </a:xfrm>
-          <a:prstGeom prst="straightConnector1">
-            <a:avLst/>
-          </a:prstGeom>
-          <a:ln w="50800">
-            <a:solidFill>
-              <a:srgbClr val="0070C0"/>
-            </a:solidFill>
-            <a:tailEnd type="stealth" w="lg" len="lg"/>
-          </a:ln>
-        </p:spPr>
-        <p:style>
-          <a:lnRef idx="1">
-            <a:schemeClr val="accent1"/>
-          </a:lnRef>
-          <a:fillRef idx="0">
-            <a:schemeClr val="accent1"/>
-          </a:fillRef>
-          <a:effectRef idx="0">
-            <a:schemeClr val="accent1"/>
-          </a:effectRef>
-          <a:fontRef idx="minor">
-            <a:schemeClr val="tx1"/>
-          </a:fontRef>
-        </p:style>
-      </p:cxnSp>
       <p:cxnSp>
         <p:nvCxnSpPr>
           <p:cNvPr id="86" name="Straight Arrow Connector 85">
@@ -4778,50 +4605,6 @@
       </p:sp>
       <p:cxnSp>
         <p:nvCxnSpPr>
-          <p:cNvPr id="93" name="Straight Arrow Connector 92">
-            <a:extLst>
-              <a:ext uri="{FF2B5EF4-FFF2-40B4-BE49-F238E27FC236}">
-                <a16:creationId xmlns:a16="http://schemas.microsoft.com/office/drawing/2014/main" id="{EFAB8411-E1E8-4C6F-A1E0-ED456E2AE714}"/>
-              </a:ext>
-            </a:extLst>
-          </p:cNvPr>
-          <p:cNvCxnSpPr>
-            <a:cxnSpLocks/>
-          </p:cNvCxnSpPr>
-          <p:nvPr/>
-        </p:nvCxnSpPr>
-        <p:spPr>
-          <a:xfrm>
-            <a:off x="4649208" y="377718"/>
-            <a:ext cx="0" cy="883023"/>
-          </a:xfrm>
-          <a:prstGeom prst="straightConnector1">
-            <a:avLst/>
-          </a:prstGeom>
-          <a:ln w="50800">
-            <a:solidFill>
-              <a:srgbClr val="0070C0"/>
-            </a:solidFill>
-            <a:tailEnd type="stealth" w="lg" len="lg"/>
-          </a:ln>
-        </p:spPr>
-        <p:style>
-          <a:lnRef idx="1">
-            <a:schemeClr val="accent1"/>
-          </a:lnRef>
-          <a:fillRef idx="0">
-            <a:schemeClr val="accent1"/>
-          </a:fillRef>
-          <a:effectRef idx="0">
-            <a:schemeClr val="accent1"/>
-          </a:effectRef>
-          <a:fontRef idx="minor">
-            <a:schemeClr val="tx1"/>
-          </a:fontRef>
-        </p:style>
-      </p:cxnSp>
-      <p:cxnSp>
-        <p:nvCxnSpPr>
           <p:cNvPr id="94" name="Straight Arrow Connector 93">
             <a:extLst>
               <a:ext uri="{FF2B5EF4-FFF2-40B4-BE49-F238E27FC236}">
@@ -5022,10 +4805,10 @@
                             <m:t>+</m:t>
                           </m:r>
                           <m:r>
-                            <a:rPr lang="en-US" sz="2400" i="1" dirty="0">
-                              <a:latin typeface="Cambria Math" panose="02040503050406030204" pitchFamily="18" charset="0"/>
-                            </a:rPr>
-                            <m:t>𝜕</m:t>
+                            <a:rPr lang="en-US" sz="2400" b="0" i="1" dirty="0" smtClean="0">
+                              <a:latin typeface="Cambria Math" panose="02040503050406030204" pitchFamily="18" charset="0"/>
+                            </a:rPr>
+                            <m:t>𝑑</m:t>
                           </m:r>
                           <m:r>
                             <a:rPr lang="en-US" sz="2400" i="1" dirty="0">
@@ -5102,7 +4885,7 @@
         </p:nvSpPr>
         <p:spPr>
           <a:xfrm>
-            <a:off x="4237483" y="-10600"/>
+            <a:off x="6215929" y="1715670"/>
             <a:ext cx="1719993" cy="457831"/>
           </a:xfrm>
           <a:prstGeom prst="rect">
@@ -5122,7 +4905,7 @@
                   <a:srgbClr val="005BA0"/>
                 </a:solidFill>
               </a:rPr>
-              <a:t>Fluid flow</a:t>
+              <a:t>Fluid  flow</a:t>
             </a:r>
           </a:p>
         </p:txBody>
@@ -5605,206 +5388,97 @@
           </a:p>
         </p:txBody>
       </p:sp>
-      <p:grpSp>
-        <p:nvGrpSpPr>
-          <p:cNvPr id="33" name="Group 32">
+      <p:cxnSp>
+        <p:nvCxnSpPr>
+          <p:cNvPr id="104" name="Straight Arrow Connector 103">
             <a:extLst>
               <a:ext uri="{FF2B5EF4-FFF2-40B4-BE49-F238E27FC236}">
-                <a16:creationId xmlns:a16="http://schemas.microsoft.com/office/drawing/2014/main" id="{945FA864-9A47-40BE-B58A-F9215DA64C5B}"/>
+                <a16:creationId xmlns:a16="http://schemas.microsoft.com/office/drawing/2014/main" id="{F42F5BE8-5E0D-4453-8167-3A2029BA90D9}"/>
               </a:ext>
             </a:extLst>
           </p:cNvPr>
-          <p:cNvGrpSpPr/>
+          <p:cNvCxnSpPr>
+            <a:cxnSpLocks/>
+          </p:cNvCxnSpPr>
           <p:nvPr/>
-        </p:nvGrpSpPr>
-        <p:grpSpPr>
+        </p:nvCxnSpPr>
+        <p:spPr>
           <a:xfrm>
-            <a:off x="8630648" y="395024"/>
-            <a:ext cx="2337768" cy="2199376"/>
-            <a:chOff x="8612834" y="495970"/>
-            <a:chExt cx="2337768" cy="2199376"/>
+            <a:off x="10968416" y="1711377"/>
+            <a:ext cx="0" cy="883023"/>
           </a:xfrm>
-        </p:grpSpPr>
-        <p:cxnSp>
-          <p:nvCxnSpPr>
-            <p:cNvPr id="103" name="Straight Arrow Connector 102">
-              <a:extLst>
-                <a:ext uri="{FF2B5EF4-FFF2-40B4-BE49-F238E27FC236}">
-                  <a16:creationId xmlns:a16="http://schemas.microsoft.com/office/drawing/2014/main" id="{47DC1BA3-8AA7-4F66-BEBF-84110FF8F0C0}"/>
-                </a:ext>
-              </a:extLst>
-            </p:cNvPr>
-            <p:cNvCxnSpPr>
-              <a:cxnSpLocks/>
-            </p:cNvCxnSpPr>
-            <p:nvPr/>
-          </p:nvCxnSpPr>
-          <p:spPr>
-            <a:xfrm>
-              <a:off x="8612834" y="1812323"/>
-              <a:ext cx="0" cy="883023"/>
-            </a:xfrm>
-            <a:prstGeom prst="straightConnector1">
-              <a:avLst/>
-            </a:prstGeom>
-            <a:ln w="50800">
-              <a:solidFill>
-                <a:srgbClr val="0070C0"/>
-              </a:solidFill>
-              <a:tailEnd type="stealth" w="lg" len="lg"/>
-            </a:ln>
-          </p:spPr>
-          <p:style>
-            <a:lnRef idx="1">
-              <a:schemeClr val="accent1"/>
-            </a:lnRef>
-            <a:fillRef idx="0">
-              <a:schemeClr val="accent1"/>
-            </a:fillRef>
-            <a:effectRef idx="0">
-              <a:schemeClr val="accent1"/>
-            </a:effectRef>
-            <a:fontRef idx="minor">
-              <a:schemeClr val="tx1"/>
-            </a:fontRef>
-          </p:style>
-        </p:cxnSp>
-        <p:cxnSp>
-          <p:nvCxnSpPr>
-            <p:cNvPr id="104" name="Straight Arrow Connector 103">
-              <a:extLst>
-                <a:ext uri="{FF2B5EF4-FFF2-40B4-BE49-F238E27FC236}">
-                  <a16:creationId xmlns:a16="http://schemas.microsoft.com/office/drawing/2014/main" id="{F42F5BE8-5E0D-4453-8167-3A2029BA90D9}"/>
-                </a:ext>
-              </a:extLst>
-            </p:cNvPr>
-            <p:cNvCxnSpPr>
-              <a:cxnSpLocks/>
-            </p:cNvCxnSpPr>
-            <p:nvPr/>
-          </p:nvCxnSpPr>
-          <p:spPr>
-            <a:xfrm>
-              <a:off x="10950602" y="1812323"/>
-              <a:ext cx="0" cy="883023"/>
-            </a:xfrm>
-            <a:prstGeom prst="straightConnector1">
-              <a:avLst/>
-            </a:prstGeom>
-            <a:ln w="50800">
-              <a:solidFill>
-                <a:schemeClr val="accent1">
-                  <a:lumMod val="40000"/>
-                  <a:lumOff val="60000"/>
-                </a:schemeClr>
-              </a:solidFill>
-              <a:tailEnd type="stealth" w="lg" len="lg"/>
-            </a:ln>
-          </p:spPr>
-          <p:style>
-            <a:lnRef idx="1">
-              <a:schemeClr val="accent1"/>
-            </a:lnRef>
-            <a:fillRef idx="0">
-              <a:schemeClr val="accent1"/>
-            </a:fillRef>
-            <a:effectRef idx="0">
-              <a:schemeClr val="accent1"/>
-            </a:effectRef>
-            <a:fontRef idx="minor">
-              <a:schemeClr val="tx1"/>
-            </a:fontRef>
-          </p:style>
-        </p:cxnSp>
-        <p:cxnSp>
-          <p:nvCxnSpPr>
-            <p:cNvPr id="111" name="Straight Arrow Connector 110">
-              <a:extLst>
-                <a:ext uri="{FF2B5EF4-FFF2-40B4-BE49-F238E27FC236}">
-                  <a16:creationId xmlns:a16="http://schemas.microsoft.com/office/drawing/2014/main" id="{711E2ED9-46E2-4A84-9A69-6D62293F97DB}"/>
-                </a:ext>
-              </a:extLst>
-            </p:cNvPr>
-            <p:cNvCxnSpPr>
-              <a:cxnSpLocks/>
-            </p:cNvCxnSpPr>
-            <p:nvPr/>
-          </p:nvCxnSpPr>
-          <p:spPr>
-            <a:xfrm>
-              <a:off x="8612834" y="495970"/>
-              <a:ext cx="0" cy="883023"/>
-            </a:xfrm>
-            <a:prstGeom prst="straightConnector1">
-              <a:avLst/>
-            </a:prstGeom>
-            <a:ln w="50800">
-              <a:solidFill>
-                <a:srgbClr val="0070C0"/>
-              </a:solidFill>
-              <a:tailEnd type="stealth" w="lg" len="lg"/>
-            </a:ln>
-          </p:spPr>
-          <p:style>
-            <a:lnRef idx="1">
-              <a:schemeClr val="accent1"/>
-            </a:lnRef>
-            <a:fillRef idx="0">
-              <a:schemeClr val="accent1"/>
-            </a:fillRef>
-            <a:effectRef idx="0">
-              <a:schemeClr val="accent1"/>
-            </a:effectRef>
-            <a:fontRef idx="minor">
-              <a:schemeClr val="tx1"/>
-            </a:fontRef>
-          </p:style>
-        </p:cxnSp>
-        <p:cxnSp>
-          <p:nvCxnSpPr>
-            <p:cNvPr id="112" name="Straight Arrow Connector 111">
-              <a:extLst>
-                <a:ext uri="{FF2B5EF4-FFF2-40B4-BE49-F238E27FC236}">
-                  <a16:creationId xmlns:a16="http://schemas.microsoft.com/office/drawing/2014/main" id="{6AA917A6-D5C4-4A03-A84F-73D0DCAE0958}"/>
-                </a:ext>
-              </a:extLst>
-            </p:cNvPr>
-            <p:cNvCxnSpPr>
-              <a:cxnSpLocks/>
-            </p:cNvCxnSpPr>
-            <p:nvPr/>
-          </p:nvCxnSpPr>
-          <p:spPr>
-            <a:xfrm>
-              <a:off x="10950602" y="495970"/>
-              <a:ext cx="0" cy="883023"/>
-            </a:xfrm>
-            <a:prstGeom prst="straightConnector1">
-              <a:avLst/>
-            </a:prstGeom>
-            <a:ln w="50800">
-              <a:solidFill>
-                <a:srgbClr val="0070C0"/>
-              </a:solidFill>
-              <a:tailEnd type="stealth" w="lg" len="lg"/>
-            </a:ln>
-          </p:spPr>
-          <p:style>
-            <a:lnRef idx="1">
-              <a:schemeClr val="accent1"/>
-            </a:lnRef>
-            <a:fillRef idx="0">
-              <a:schemeClr val="accent1"/>
-            </a:fillRef>
-            <a:effectRef idx="0">
-              <a:schemeClr val="accent1"/>
-            </a:effectRef>
-            <a:fontRef idx="minor">
-              <a:schemeClr val="tx1"/>
-            </a:fontRef>
-          </p:style>
-        </p:cxnSp>
-      </p:grpSp>
+          <a:prstGeom prst="straightConnector1">
+            <a:avLst/>
+          </a:prstGeom>
+          <a:ln w="50800">
+            <a:solidFill>
+              <a:schemeClr val="accent1">
+                <a:lumMod val="40000"/>
+                <a:lumOff val="60000"/>
+              </a:schemeClr>
+            </a:solidFill>
+            <a:tailEnd type="stealth" w="lg" len="lg"/>
+          </a:ln>
+        </p:spPr>
+        <p:style>
+          <a:lnRef idx="1">
+            <a:schemeClr val="accent1"/>
+          </a:lnRef>
+          <a:fillRef idx="0">
+            <a:schemeClr val="accent1"/>
+          </a:fillRef>
+          <a:effectRef idx="0">
+            <a:schemeClr val="accent1"/>
+          </a:effectRef>
+          <a:fontRef idx="minor">
+            <a:schemeClr val="tx1"/>
+          </a:fontRef>
+        </p:style>
+      </p:cxnSp>
+      <p:cxnSp>
+        <p:nvCxnSpPr>
+          <p:cNvPr id="112" name="Straight Arrow Connector 111">
+            <a:extLst>
+              <a:ext uri="{FF2B5EF4-FFF2-40B4-BE49-F238E27FC236}">
+                <a16:creationId xmlns:a16="http://schemas.microsoft.com/office/drawing/2014/main" id="{6AA917A6-D5C4-4A03-A84F-73D0DCAE0958}"/>
+              </a:ext>
+            </a:extLst>
+          </p:cNvPr>
+          <p:cNvCxnSpPr>
+            <a:cxnSpLocks/>
+          </p:cNvCxnSpPr>
+          <p:nvPr/>
+        </p:nvCxnSpPr>
+        <p:spPr>
+          <a:xfrm>
+            <a:off x="10968416" y="395024"/>
+            <a:ext cx="0" cy="883023"/>
+          </a:xfrm>
+          <a:prstGeom prst="straightConnector1">
+            <a:avLst/>
+          </a:prstGeom>
+          <a:ln w="50800">
+            <a:solidFill>
+              <a:srgbClr val="0070C0"/>
+            </a:solidFill>
+            <a:tailEnd type="stealth" w="lg" len="lg"/>
+          </a:ln>
+        </p:spPr>
+        <p:style>
+          <a:lnRef idx="1">
+            <a:schemeClr val="accent1"/>
+          </a:lnRef>
+          <a:fillRef idx="0">
+            <a:schemeClr val="accent1"/>
+          </a:fillRef>
+          <a:effectRef idx="0">
+            <a:schemeClr val="accent1"/>
+          </a:effectRef>
+          <a:fontRef idx="minor">
+            <a:schemeClr val="tx1"/>
+          </a:fontRef>
+        </p:style>
+      </p:cxnSp>
       <mc:AlternateContent xmlns:mc="http://schemas.openxmlformats.org/markup-compatibility/2006">
         <mc:Choice xmlns:a14="http://schemas.microsoft.com/office/drawing/2010/main" Requires="a14">
           <p:sp>
@@ -5895,10 +5569,10 @@
                             <m:t>+</m:t>
                           </m:r>
                           <m:r>
-                            <a:rPr lang="en-US" sz="2400" i="1" dirty="0">
-                              <a:latin typeface="Cambria Math" panose="02040503050406030204" pitchFamily="18" charset="0"/>
-                            </a:rPr>
-                            <m:t>𝜕</m:t>
+                            <a:rPr lang="en-US" sz="2400" b="0" i="1" dirty="0" smtClean="0">
+                              <a:latin typeface="Cambria Math" panose="02040503050406030204" pitchFamily="18" charset="0"/>
+                            </a:rPr>
+                            <m:t>𝑑</m:t>
                           </m:r>
                           <m:r>
                             <a:rPr lang="en-US" sz="2400" i="1" dirty="0">
@@ -6014,8 +5688,8 @@
           </p:sp>
         </mc:Fallback>
       </mc:AlternateContent>
-      <mc:AlternateContent xmlns:mc="http://schemas.openxmlformats.org/markup-compatibility/2006">
-        <mc:Choice xmlns:a14="http://schemas.microsoft.com/office/drawing/2010/main" Requires="a14">
+      <mc:AlternateContent xmlns:mc="http://schemas.openxmlformats.org/markup-compatibility/2006" xmlns:a14="http://schemas.microsoft.com/office/drawing/2010/main">
+        <mc:Choice Requires="a14">
           <p:sp>
             <p:nvSpPr>
               <p:cNvPr id="114" name="TextBox 113">
@@ -6102,7 +5776,7 @@
             </p:txBody>
           </p:sp>
         </mc:Choice>
-        <mc:Fallback>
+        <mc:Fallback xmlns="">
           <p:sp>
             <p:nvSpPr>
               <p:cNvPr id="114" name="TextBox 113">
@@ -6147,8 +5821,8 @@
           </p:sp>
         </mc:Fallback>
       </mc:AlternateContent>
-      <mc:AlternateContent xmlns:mc="http://schemas.openxmlformats.org/markup-compatibility/2006">
-        <mc:Choice xmlns:a14="http://schemas.microsoft.com/office/drawing/2010/main" Requires="a14">
+      <mc:AlternateContent xmlns:mc="http://schemas.openxmlformats.org/markup-compatibility/2006" xmlns:a14="http://schemas.microsoft.com/office/drawing/2010/main">
+        <mc:Choice Requires="a14">
           <p:sp>
             <p:nvSpPr>
               <p:cNvPr id="115" name="TextBox 114">
@@ -6205,7 +5879,7 @@
             </p:txBody>
           </p:sp>
         </mc:Choice>
-        <mc:Fallback>
+        <mc:Fallback xmlns="">
           <p:sp>
             <p:nvSpPr>
               <p:cNvPr id="115" name="TextBox 114">
@@ -6264,7 +5938,7 @@
         </p:nvSpPr>
         <p:spPr>
           <a:xfrm>
-            <a:off x="8664116" y="480400"/>
+            <a:off x="9219456" y="480400"/>
             <a:ext cx="1719993" cy="457831"/>
           </a:xfrm>
           <a:prstGeom prst="rect">
@@ -6278,6 +5952,7 @@
           </a:bodyPr>
           <a:lstStyle/>
           <a:p>
+            <a:pPr algn="r"/>
             <a:r>
               <a:rPr lang="en-US" sz="2400" dirty="0">
                 <a:solidFill>
@@ -6515,8 +6190,8 @@
           </a:p>
         </p:txBody>
       </p:sp>
-      <mc:AlternateContent xmlns:mc="http://schemas.openxmlformats.org/markup-compatibility/2006">
-        <mc:Choice xmlns:a14="http://schemas.microsoft.com/office/drawing/2010/main" Requires="a14">
+      <mc:AlternateContent xmlns:mc="http://schemas.openxmlformats.org/markup-compatibility/2006" xmlns:a14="http://schemas.microsoft.com/office/drawing/2010/main">
+        <mc:Choice Requires="a14">
           <p:sp>
             <p:nvSpPr>
               <p:cNvPr id="128" name="TextBox 127">
@@ -6566,7 +6241,7 @@
             </p:txBody>
           </p:sp>
         </mc:Choice>
-        <mc:Fallback>
+        <mc:Fallback xmlns="">
           <p:sp>
             <p:nvSpPr>
               <p:cNvPr id="128" name="TextBox 127">
@@ -6683,8 +6358,8 @@
           </a:p>
         </p:txBody>
       </p:sp>
-      <mc:AlternateContent xmlns:mc="http://schemas.openxmlformats.org/markup-compatibility/2006">
-        <mc:Choice xmlns:a14="http://schemas.microsoft.com/office/drawing/2010/main" Requires="a14">
+      <mc:AlternateContent xmlns:mc="http://schemas.openxmlformats.org/markup-compatibility/2006" xmlns:a14="http://schemas.microsoft.com/office/drawing/2010/main">
+        <mc:Choice Requires="a14">
           <p:sp>
             <p:nvSpPr>
               <p:cNvPr id="56" name="TextBox 55">
@@ -6915,7 +6590,7 @@
             </p:txBody>
           </p:sp>
         </mc:Choice>
-        <mc:Fallback>
+        <mc:Fallback xmlns="">
           <p:sp>
             <p:nvSpPr>
               <p:cNvPr id="56" name="TextBox 55">
@@ -7057,7 +6732,7 @@
                       <m:sSub>
                         <m:sSubPr>
                           <m:ctrlPr>
-                            <a:rPr lang="en-US" sz="2400" i="1">
+                            <a:rPr lang="en-US" sz="2400" i="1" smtClean="0">
                               <a:latin typeface="Cambria Math" panose="02040503050406030204" pitchFamily="18" charset="0"/>
                             </a:rPr>
                           </m:ctrlPr>
@@ -7113,10 +6788,10 @@
                             <m:t>+</m:t>
                           </m:r>
                           <m:r>
-                            <a:rPr lang="en-US" sz="2400" i="1">
-                              <a:latin typeface="Cambria Math" panose="02040503050406030204" pitchFamily="18" charset="0"/>
-                            </a:rPr>
-                            <m:t>𝜕</m:t>
+                            <a:rPr lang="en-US" sz="2400" b="0" i="1" smtClean="0">
+                              <a:latin typeface="Cambria Math" panose="02040503050406030204" pitchFamily="18" charset="0"/>
+                            </a:rPr>
+                            <m:t>𝑑</m:t>
                           </m:r>
                           <m:r>
                             <a:rPr lang="en-US" sz="2400" i="1">
@@ -7700,7 +7375,7 @@
                       <m:sSub>
                         <m:sSubPr>
                           <m:ctrlPr>
-                            <a:rPr lang="en-US" sz="2400" i="1" dirty="0">
+                            <a:rPr lang="en-US" sz="2400" i="1" dirty="0" smtClean="0">
                               <a:latin typeface="Cambria Math" panose="02040503050406030204" pitchFamily="18" charset="0"/>
                             </a:rPr>
                           </m:ctrlPr>
@@ -7744,10 +7419,10 @@
                             <m:t>+</m:t>
                           </m:r>
                           <m:r>
-                            <a:rPr lang="en-US" sz="2400" i="1" dirty="0">
-                              <a:latin typeface="Cambria Math" panose="02040503050406030204" pitchFamily="18" charset="0"/>
-                            </a:rPr>
-                            <m:t>𝜕</m:t>
+                            <a:rPr lang="en-US" sz="2400" b="0" i="1" dirty="0" smtClean="0">
+                              <a:latin typeface="Cambria Math" panose="02040503050406030204" pitchFamily="18" charset="0"/>
+                            </a:rPr>
+                            <m:t>𝑑</m:t>
                           </m:r>
                           <m:r>
                             <a:rPr lang="en-US" sz="2400" i="1" dirty="0">
@@ -7827,10 +7502,10 @@
                             <m:t>+</m:t>
                           </m:r>
                           <m:r>
-                            <a:rPr lang="en-US" sz="2400" i="1">
-                              <a:latin typeface="Cambria Math" panose="02040503050406030204" pitchFamily="18" charset="0"/>
-                            </a:rPr>
-                            <m:t>𝜕</m:t>
+                            <a:rPr lang="en-US" sz="2400" b="0" i="1" smtClean="0">
+                              <a:latin typeface="Cambria Math" panose="02040503050406030204" pitchFamily="18" charset="0"/>
+                            </a:rPr>
+                            <m:t>𝑑</m:t>
                           </m:r>
                           <m:r>
                             <a:rPr lang="en-US" sz="2400" i="1">
@@ -7896,8 +7571,8 @@
           </p:sp>
         </mc:Fallback>
       </mc:AlternateContent>
-      <mc:AlternateContent xmlns:mc="http://schemas.openxmlformats.org/markup-compatibility/2006">
-        <mc:Choice xmlns:a14="http://schemas.microsoft.com/office/drawing/2010/main" Requires="a14">
+      <mc:AlternateContent xmlns:mc="http://schemas.openxmlformats.org/markup-compatibility/2006" xmlns:a14="http://schemas.microsoft.com/office/drawing/2010/main">
+        <mc:Choice Requires="a14">
           <p:sp>
             <p:nvSpPr>
               <p:cNvPr id="74" name="TextBox 73">
@@ -7984,7 +7659,7 @@
             </p:txBody>
           </p:sp>
         </mc:Choice>
-        <mc:Fallback>
+        <mc:Fallback xmlns="">
           <p:sp>
             <p:nvSpPr>
               <p:cNvPr id="74" name="TextBox 73">
@@ -8029,8 +7704,8 @@
           </p:sp>
         </mc:Fallback>
       </mc:AlternateContent>
-      <mc:AlternateContent xmlns:mc="http://schemas.openxmlformats.org/markup-compatibility/2006">
-        <mc:Choice xmlns:a14="http://schemas.microsoft.com/office/drawing/2010/main" Requires="a14">
+      <mc:AlternateContent xmlns:mc="http://schemas.openxmlformats.org/markup-compatibility/2006" xmlns:a14="http://schemas.microsoft.com/office/drawing/2010/main">
+        <mc:Choice Requires="a14">
           <p:sp>
             <p:nvSpPr>
               <p:cNvPr id="75" name="TextBox 74">
@@ -8087,7 +7762,7 @@
             </p:txBody>
           </p:sp>
         </mc:Choice>
-        <mc:Fallback>
+        <mc:Fallback xmlns="">
           <p:sp>
             <p:nvSpPr>
               <p:cNvPr id="75" name="TextBox 74">
@@ -8146,7 +7821,7 @@
         </p:nvSpPr>
         <p:spPr>
           <a:xfrm>
-            <a:off x="12650411" y="484141"/>
+            <a:off x="13205751" y="484141"/>
             <a:ext cx="1719993" cy="457831"/>
           </a:xfrm>
           <a:prstGeom prst="rect">
@@ -8160,6 +7835,7 @@
           </a:bodyPr>
           <a:lstStyle/>
           <a:p>
+            <a:pPr algn="r"/>
             <a:r>
               <a:rPr lang="en-US" sz="2400" dirty="0">
                 <a:solidFill>
@@ -8397,8 +8073,8 @@
           </a:p>
         </p:txBody>
       </p:sp>
-      <mc:AlternateContent xmlns:mc="http://schemas.openxmlformats.org/markup-compatibility/2006">
-        <mc:Choice xmlns:a14="http://schemas.microsoft.com/office/drawing/2010/main" Requires="a14">
+      <mc:AlternateContent xmlns:mc="http://schemas.openxmlformats.org/markup-compatibility/2006" xmlns:a14="http://schemas.microsoft.com/office/drawing/2010/main">
+        <mc:Choice Requires="a14">
           <p:sp>
             <p:nvSpPr>
               <p:cNvPr id="102" name="TextBox 101">
@@ -8448,7 +8124,7 @@
             </p:txBody>
           </p:sp>
         </mc:Choice>
-        <mc:Fallback>
+        <mc:Fallback xmlns="">
           <p:sp>
             <p:nvSpPr>
               <p:cNvPr id="102" name="TextBox 101">
@@ -8493,8 +8169,8 @@
           </p:sp>
         </mc:Fallback>
       </mc:AlternateContent>
-      <mc:AlternateContent xmlns:mc="http://schemas.openxmlformats.org/markup-compatibility/2006">
-        <mc:Choice xmlns:a14="http://schemas.microsoft.com/office/drawing/2010/main" Requires="a14">
+      <mc:AlternateContent xmlns:mc="http://schemas.openxmlformats.org/markup-compatibility/2006" xmlns:a14="http://schemas.microsoft.com/office/drawing/2010/main">
+        <mc:Choice Requires="a14">
           <p:sp>
             <p:nvSpPr>
               <p:cNvPr id="110" name="TextBox 109">
@@ -8670,13 +8346,7 @@
                         <a:rPr lang="en-US" sz="2400" i="1">
                           <a:latin typeface="Cambria Math" panose="02040503050406030204" pitchFamily="18" charset="0"/>
                         </a:rPr>
-                        <m:t>=</m:t>
-                      </m:r>
-                      <m:r>
-                        <a:rPr lang="en-US" sz="2400" i="1">
-                          <a:latin typeface="Cambria Math" panose="02040503050406030204" pitchFamily="18" charset="0"/>
-                        </a:rPr>
-                        <m:t>                        </m:t>
+                        <m:t>=                        </m:t>
                       </m:r>
                       <m:acc>
                         <m:accPr>
@@ -8747,7 +8417,7 @@
             </p:txBody>
           </p:sp>
         </mc:Choice>
-        <mc:Fallback>
+        <mc:Fallback xmlns="">
           <p:sp>
             <p:nvSpPr>
               <p:cNvPr id="110" name="TextBox 109">
@@ -8879,206 +8549,97 @@
           </a:fontRef>
         </p:style>
       </p:cxnSp>
-      <p:grpSp>
-        <p:nvGrpSpPr>
-          <p:cNvPr id="133" name="Group 132">
+      <p:cxnSp>
+        <p:nvCxnSpPr>
+          <p:cNvPr id="135" name="Straight Arrow Connector 134">
             <a:extLst>
               <a:ext uri="{FF2B5EF4-FFF2-40B4-BE49-F238E27FC236}">
-                <a16:creationId xmlns:a16="http://schemas.microsoft.com/office/drawing/2014/main" id="{E046472E-23EA-4006-B59F-917D104F4639}"/>
+                <a16:creationId xmlns:a16="http://schemas.microsoft.com/office/drawing/2014/main" id="{B92984E1-1EB6-4800-931B-80F5A6ADAD94}"/>
               </a:ext>
             </a:extLst>
           </p:cNvPr>
-          <p:cNvGrpSpPr/>
+          <p:cNvCxnSpPr>
+            <a:cxnSpLocks/>
+          </p:cNvCxnSpPr>
           <p:nvPr/>
-        </p:nvGrpSpPr>
-        <p:grpSpPr>
+        </p:nvCxnSpPr>
+        <p:spPr>
           <a:xfrm>
-            <a:off x="12615627" y="377718"/>
-            <a:ext cx="2337768" cy="2199376"/>
-            <a:chOff x="8612834" y="495970"/>
-            <a:chExt cx="2337768" cy="2199376"/>
+            <a:off x="14953395" y="1694071"/>
+            <a:ext cx="0" cy="883023"/>
           </a:xfrm>
-        </p:grpSpPr>
-        <p:cxnSp>
-          <p:nvCxnSpPr>
-            <p:cNvPr id="134" name="Straight Arrow Connector 133">
-              <a:extLst>
-                <a:ext uri="{FF2B5EF4-FFF2-40B4-BE49-F238E27FC236}">
-                  <a16:creationId xmlns:a16="http://schemas.microsoft.com/office/drawing/2014/main" id="{9C67EBB6-89DF-45FC-88DF-012F1AACCE6F}"/>
-                </a:ext>
-              </a:extLst>
-            </p:cNvPr>
-            <p:cNvCxnSpPr>
-              <a:cxnSpLocks/>
-            </p:cNvCxnSpPr>
-            <p:nvPr/>
-          </p:nvCxnSpPr>
-          <p:spPr>
-            <a:xfrm>
-              <a:off x="8612834" y="1812323"/>
-              <a:ext cx="0" cy="883023"/>
-            </a:xfrm>
-            <a:prstGeom prst="straightConnector1">
-              <a:avLst/>
-            </a:prstGeom>
-            <a:ln w="50800">
-              <a:solidFill>
-                <a:srgbClr val="0070C0"/>
-              </a:solidFill>
-              <a:tailEnd type="stealth" w="lg" len="lg"/>
-            </a:ln>
-          </p:spPr>
-          <p:style>
-            <a:lnRef idx="1">
-              <a:schemeClr val="accent1"/>
-            </a:lnRef>
-            <a:fillRef idx="0">
-              <a:schemeClr val="accent1"/>
-            </a:fillRef>
-            <a:effectRef idx="0">
-              <a:schemeClr val="accent1"/>
-            </a:effectRef>
-            <a:fontRef idx="minor">
-              <a:schemeClr val="tx1"/>
-            </a:fontRef>
-          </p:style>
-        </p:cxnSp>
-        <p:cxnSp>
-          <p:nvCxnSpPr>
-            <p:cNvPr id="135" name="Straight Arrow Connector 134">
-              <a:extLst>
-                <a:ext uri="{FF2B5EF4-FFF2-40B4-BE49-F238E27FC236}">
-                  <a16:creationId xmlns:a16="http://schemas.microsoft.com/office/drawing/2014/main" id="{B92984E1-1EB6-4800-931B-80F5A6ADAD94}"/>
-                </a:ext>
-              </a:extLst>
-            </p:cNvPr>
-            <p:cNvCxnSpPr>
-              <a:cxnSpLocks/>
-            </p:cNvCxnSpPr>
-            <p:nvPr/>
-          </p:nvCxnSpPr>
-          <p:spPr>
-            <a:xfrm>
-              <a:off x="10950602" y="1812323"/>
-              <a:ext cx="0" cy="883023"/>
-            </a:xfrm>
-            <a:prstGeom prst="straightConnector1">
-              <a:avLst/>
-            </a:prstGeom>
-            <a:ln w="50800">
-              <a:solidFill>
-                <a:schemeClr val="accent1">
-                  <a:lumMod val="40000"/>
-                  <a:lumOff val="60000"/>
-                </a:schemeClr>
-              </a:solidFill>
-              <a:tailEnd type="stealth" w="lg" len="lg"/>
-            </a:ln>
-          </p:spPr>
-          <p:style>
-            <a:lnRef idx="1">
-              <a:schemeClr val="accent1"/>
-            </a:lnRef>
-            <a:fillRef idx="0">
-              <a:schemeClr val="accent1"/>
-            </a:fillRef>
-            <a:effectRef idx="0">
-              <a:schemeClr val="accent1"/>
-            </a:effectRef>
-            <a:fontRef idx="minor">
-              <a:schemeClr val="tx1"/>
-            </a:fontRef>
-          </p:style>
-        </p:cxnSp>
-        <p:cxnSp>
-          <p:nvCxnSpPr>
-            <p:cNvPr id="136" name="Straight Arrow Connector 135">
-              <a:extLst>
-                <a:ext uri="{FF2B5EF4-FFF2-40B4-BE49-F238E27FC236}">
-                  <a16:creationId xmlns:a16="http://schemas.microsoft.com/office/drawing/2014/main" id="{BC393237-C71E-4BD9-84AC-E623CFD38351}"/>
-                </a:ext>
-              </a:extLst>
-            </p:cNvPr>
-            <p:cNvCxnSpPr>
-              <a:cxnSpLocks/>
-            </p:cNvCxnSpPr>
-            <p:nvPr/>
-          </p:nvCxnSpPr>
-          <p:spPr>
-            <a:xfrm>
-              <a:off x="8612834" y="495970"/>
-              <a:ext cx="0" cy="883023"/>
-            </a:xfrm>
-            <a:prstGeom prst="straightConnector1">
-              <a:avLst/>
-            </a:prstGeom>
-            <a:ln w="50800">
-              <a:solidFill>
-                <a:srgbClr val="0070C0"/>
-              </a:solidFill>
-              <a:tailEnd type="stealth" w="lg" len="lg"/>
-            </a:ln>
-          </p:spPr>
-          <p:style>
-            <a:lnRef idx="1">
-              <a:schemeClr val="accent1"/>
-            </a:lnRef>
-            <a:fillRef idx="0">
-              <a:schemeClr val="accent1"/>
-            </a:fillRef>
-            <a:effectRef idx="0">
-              <a:schemeClr val="accent1"/>
-            </a:effectRef>
-            <a:fontRef idx="minor">
-              <a:schemeClr val="tx1"/>
-            </a:fontRef>
-          </p:style>
-        </p:cxnSp>
-        <p:cxnSp>
-          <p:nvCxnSpPr>
-            <p:cNvPr id="137" name="Straight Arrow Connector 136">
-              <a:extLst>
-                <a:ext uri="{FF2B5EF4-FFF2-40B4-BE49-F238E27FC236}">
-                  <a16:creationId xmlns:a16="http://schemas.microsoft.com/office/drawing/2014/main" id="{7259A660-5C28-4DB5-AEAD-7A75FA6E462C}"/>
-                </a:ext>
-              </a:extLst>
-            </p:cNvPr>
-            <p:cNvCxnSpPr>
-              <a:cxnSpLocks/>
-            </p:cNvCxnSpPr>
-            <p:nvPr/>
-          </p:nvCxnSpPr>
-          <p:spPr>
-            <a:xfrm>
-              <a:off x="10950602" y="495970"/>
-              <a:ext cx="0" cy="883023"/>
-            </a:xfrm>
-            <a:prstGeom prst="straightConnector1">
-              <a:avLst/>
-            </a:prstGeom>
-            <a:ln w="50800">
-              <a:solidFill>
-                <a:srgbClr val="0070C0"/>
-              </a:solidFill>
-              <a:tailEnd type="stealth" w="lg" len="lg"/>
-            </a:ln>
-          </p:spPr>
-          <p:style>
-            <a:lnRef idx="1">
-              <a:schemeClr val="accent1"/>
-            </a:lnRef>
-            <a:fillRef idx="0">
-              <a:schemeClr val="accent1"/>
-            </a:fillRef>
-            <a:effectRef idx="0">
-              <a:schemeClr val="accent1"/>
-            </a:effectRef>
-            <a:fontRef idx="minor">
-              <a:schemeClr val="tx1"/>
-            </a:fontRef>
-          </p:style>
-        </p:cxnSp>
-      </p:grpSp>
+          <a:prstGeom prst="straightConnector1">
+            <a:avLst/>
+          </a:prstGeom>
+          <a:ln w="50800">
+            <a:solidFill>
+              <a:schemeClr val="accent1">
+                <a:lumMod val="40000"/>
+                <a:lumOff val="60000"/>
+              </a:schemeClr>
+            </a:solidFill>
+            <a:tailEnd type="stealth" w="lg" len="lg"/>
+          </a:ln>
+        </p:spPr>
+        <p:style>
+          <a:lnRef idx="1">
+            <a:schemeClr val="accent1"/>
+          </a:lnRef>
+          <a:fillRef idx="0">
+            <a:schemeClr val="accent1"/>
+          </a:fillRef>
+          <a:effectRef idx="0">
+            <a:schemeClr val="accent1"/>
+          </a:effectRef>
+          <a:fontRef idx="minor">
+            <a:schemeClr val="tx1"/>
+          </a:fontRef>
+        </p:style>
+      </p:cxnSp>
+      <p:cxnSp>
+        <p:nvCxnSpPr>
+          <p:cNvPr id="137" name="Straight Arrow Connector 136">
+            <a:extLst>
+              <a:ext uri="{FF2B5EF4-FFF2-40B4-BE49-F238E27FC236}">
+                <a16:creationId xmlns:a16="http://schemas.microsoft.com/office/drawing/2014/main" id="{7259A660-5C28-4DB5-AEAD-7A75FA6E462C}"/>
+              </a:ext>
+            </a:extLst>
+          </p:cNvPr>
+          <p:cNvCxnSpPr>
+            <a:cxnSpLocks/>
+          </p:cNvCxnSpPr>
+          <p:nvPr/>
+        </p:nvCxnSpPr>
+        <p:spPr>
+          <a:xfrm>
+            <a:off x="14953395" y="377718"/>
+            <a:ext cx="0" cy="883023"/>
+          </a:xfrm>
+          <a:prstGeom prst="straightConnector1">
+            <a:avLst/>
+          </a:prstGeom>
+          <a:ln w="50800">
+            <a:solidFill>
+              <a:srgbClr val="0070C0"/>
+            </a:solidFill>
+            <a:tailEnd type="stealth" w="lg" len="lg"/>
+          </a:ln>
+        </p:spPr>
+        <p:style>
+          <a:lnRef idx="1">
+            <a:schemeClr val="accent1"/>
+          </a:lnRef>
+          <a:fillRef idx="0">
+            <a:schemeClr val="accent1"/>
+          </a:fillRef>
+          <a:effectRef idx="0">
+            <a:schemeClr val="accent1"/>
+          </a:effectRef>
+          <a:fontRef idx="minor">
+            <a:schemeClr val="tx1"/>
+          </a:fontRef>
+        </p:style>
+      </p:cxnSp>
       <p:sp>
         <p:nvSpPr>
           <p:cNvPr id="144" name="Oval 143">
@@ -9176,7 +8737,7 @@
                       <m:sSub>
                         <m:sSubPr>
                           <m:ctrlPr>
-                            <a:rPr lang="en-US" sz="2400" i="1">
+                            <a:rPr lang="en-US" sz="2400" i="1" smtClean="0">
                               <a:latin typeface="Cambria Math" panose="02040503050406030204" pitchFamily="18" charset="0"/>
                             </a:rPr>
                           </m:ctrlPr>
@@ -9232,10 +8793,10 @@
                             <m:t>+</m:t>
                           </m:r>
                           <m:r>
-                            <a:rPr lang="en-US" sz="2400" i="1">
-                              <a:latin typeface="Cambria Math" panose="02040503050406030204" pitchFamily="18" charset="0"/>
-                            </a:rPr>
-                            <m:t>𝜕</m:t>
+                            <a:rPr lang="en-US" sz="2400" b="0" i="1" smtClean="0">
+                              <a:latin typeface="Cambria Math" panose="02040503050406030204" pitchFamily="18" charset="0"/>
+                            </a:rPr>
+                            <m:t>𝑑</m:t>
                           </m:r>
                           <m:r>
                             <a:rPr lang="en-US" sz="2400" i="1">
